--- a/1. Project Deliverables/Covid-19 Presentation.pptx
+++ b/1. Project Deliverables/Covid-19 Presentation.pptx
@@ -154,7 +154,7 @@
 <file path=ppt/revisionInfo.xml><?xml version="1.0" encoding="utf-8"?>
 <p1510:revInfo xmlns:a="http://schemas.openxmlformats.org/drawingml/2006/main" xmlns:r="http://schemas.openxmlformats.org/officeDocument/2006/relationships" xmlns:p1510="http://schemas.microsoft.com/office/powerpoint/2015/10/main">
   <p1510:revLst>
-    <p1510:client id="{EB8BC116-D42F-47B7-89FD-1BAE3AED721E}" v="363" dt="2022-02-04T02:51:26.247"/>
+    <p1510:client id="{EB8BC116-D42F-47B7-89FD-1BAE3AED721E}" v="364" dt="2022-02-04T03:10:34.824"/>
   </p1510:revLst>
 </p1510:revInfo>
 </file>
@@ -164,7 +164,7 @@
   <pc:docChgLst>
     <pc:chgData name="Tracy Poon" userId="42aa080073bab850" providerId="LiveId" clId="{EB8BC116-D42F-47B7-89FD-1BAE3AED721E}"/>
     <pc:docChg chg="undo custSel addSld delSld modSld sldOrd">
-      <pc:chgData name="Tracy Poon" userId="42aa080073bab850" providerId="LiveId" clId="{EB8BC116-D42F-47B7-89FD-1BAE3AED721E}" dt="2022-02-04T02:54:24.696" v="3152" actId="732"/>
+      <pc:chgData name="Tracy Poon" userId="42aa080073bab850" providerId="LiveId" clId="{EB8BC116-D42F-47B7-89FD-1BAE3AED721E}" dt="2022-02-04T03:11:10.155" v="3165" actId="1076"/>
       <pc:docMkLst>
         <pc:docMk/>
       </pc:docMkLst>
@@ -651,13 +651,13 @@
         </pc:sldMkLst>
       </pc:sldChg>
       <pc:sldChg chg="addSp modSp add mod modNotesTx">
-        <pc:chgData name="Tracy Poon" userId="42aa080073bab850" providerId="LiveId" clId="{EB8BC116-D42F-47B7-89FD-1BAE3AED721E}" dt="2022-02-04T02:16:38.837" v="3089" actId="20577"/>
+        <pc:chgData name="Tracy Poon" userId="42aa080073bab850" providerId="LiveId" clId="{EB8BC116-D42F-47B7-89FD-1BAE3AED721E}" dt="2022-02-04T03:11:10.155" v="3165" actId="1076"/>
         <pc:sldMkLst>
           <pc:docMk/>
           <pc:sldMk cId="4043563132" sldId="301"/>
         </pc:sldMkLst>
         <pc:spChg chg="mod">
-          <ac:chgData name="Tracy Poon" userId="42aa080073bab850" providerId="LiveId" clId="{EB8BC116-D42F-47B7-89FD-1BAE3AED721E}" dt="2022-02-04T02:16:16.491" v="3087" actId="20577"/>
+          <ac:chgData name="Tracy Poon" userId="42aa080073bab850" providerId="LiveId" clId="{EB8BC116-D42F-47B7-89FD-1BAE3AED721E}" dt="2022-02-04T03:10:57.339" v="3161" actId="1076"/>
           <ac:spMkLst>
             <pc:docMk/>
             <pc:sldMk cId="4043563132" sldId="301"/>
@@ -665,7 +665,7 @@
           </ac:spMkLst>
         </pc:spChg>
         <pc:spChg chg="mod">
-          <ac:chgData name="Tracy Poon" userId="42aa080073bab850" providerId="LiveId" clId="{EB8BC116-D42F-47B7-89FD-1BAE3AED721E}" dt="2022-02-04T02:16:38.837" v="3089" actId="20577"/>
+          <ac:chgData name="Tracy Poon" userId="42aa080073bab850" providerId="LiveId" clId="{EB8BC116-D42F-47B7-89FD-1BAE3AED721E}" dt="2022-02-04T03:11:05.919" v="3164" actId="1076"/>
           <ac:spMkLst>
             <pc:docMk/>
             <pc:sldMk cId="4043563132" sldId="301"/>
@@ -673,7 +673,7 @@
           </ac:spMkLst>
         </pc:spChg>
         <pc:picChg chg="add mod">
-          <ac:chgData name="Tracy Poon" userId="42aa080073bab850" providerId="LiveId" clId="{EB8BC116-D42F-47B7-89FD-1BAE3AED721E}" dt="2022-02-02T03:55:50.786" v="1806" actId="1076"/>
+          <ac:chgData name="Tracy Poon" userId="42aa080073bab850" providerId="LiveId" clId="{EB8BC116-D42F-47B7-89FD-1BAE3AED721E}" dt="2022-02-04T03:10:59.213" v="3162" actId="1076"/>
           <ac:picMkLst>
             <pc:docMk/>
             <pc:sldMk cId="4043563132" sldId="301"/>
@@ -681,7 +681,15 @@
           </ac:picMkLst>
         </pc:picChg>
         <pc:picChg chg="add mod">
-          <ac:chgData name="Tracy Poon" userId="42aa080073bab850" providerId="LiveId" clId="{EB8BC116-D42F-47B7-89FD-1BAE3AED721E}" dt="2022-02-02T03:56:39.118" v="1810" actId="1076"/>
+          <ac:chgData name="Tracy Poon" userId="42aa080073bab850" providerId="LiveId" clId="{EB8BC116-D42F-47B7-89FD-1BAE3AED721E}" dt="2022-02-04T03:11:10.155" v="3165" actId="1076"/>
+          <ac:picMkLst>
+            <pc:docMk/>
+            <pc:sldMk cId="4043563132" sldId="301"/>
+            <ac:picMk id="6" creationId="{0923EF70-6A56-4ECD-A260-92666C3CF058}"/>
+          </ac:picMkLst>
+        </pc:picChg>
+        <pc:picChg chg="add mod">
+          <ac:chgData name="Tracy Poon" userId="42aa080073bab850" providerId="LiveId" clId="{EB8BC116-D42F-47B7-89FD-1BAE3AED721E}" dt="2022-02-04T03:11:00.863" v="3163" actId="1076"/>
           <ac:picMkLst>
             <pc:docMk/>
             <pc:sldMk cId="4043563132" sldId="301"/>
@@ -7653,7 +7661,12 @@
             <p:ph type="title"/>
           </p:nvPr>
         </p:nvSpPr>
-        <p:spPr/>
+        <p:spPr>
+          <a:xfrm>
+            <a:off x="498896" y="734984"/>
+            <a:ext cx="11029616" cy="674724"/>
+          </a:xfrm>
+        </p:spPr>
         <p:txBody>
           <a:bodyPr/>
           <a:lstStyle/>
@@ -7683,7 +7696,7 @@
         </p:nvSpPr>
         <p:spPr>
           <a:xfrm>
-            <a:off x="4703975" y="2340864"/>
+            <a:off x="4383935" y="1072346"/>
             <a:ext cx="6523349" cy="3588596"/>
           </a:xfrm>
         </p:spPr>
@@ -7752,7 +7765,7 @@
         </p:blipFill>
         <p:spPr>
           <a:xfrm>
-            <a:off x="964676" y="2617725"/>
+            <a:off x="873236" y="1703654"/>
             <a:ext cx="1872003" cy="1084712"/>
           </a:xfrm>
           <a:prstGeom prst="rect">
@@ -7782,8 +7795,38 @@
         </p:blipFill>
         <p:spPr>
           <a:xfrm>
-            <a:off x="907326" y="4403001"/>
+            <a:off x="937244" y="3294645"/>
             <a:ext cx="2064324" cy="996570"/>
+          </a:xfrm>
+          <a:prstGeom prst="rect">
+            <a:avLst/>
+          </a:prstGeom>
+        </p:spPr>
+      </p:pic>
+      <p:pic>
+        <p:nvPicPr>
+          <p:cNvPr id="6" name="Picture 5" descr="Graphical user interface, application&#10;&#10;Description automatically generated">
+            <a:extLst>
+              <a:ext uri="{FF2B5EF4-FFF2-40B4-BE49-F238E27FC236}">
+                <a16:creationId xmlns:a16="http://schemas.microsoft.com/office/drawing/2014/main" id="{0923EF70-6A56-4ECD-A260-92666C3CF058}"/>
+              </a:ext>
+            </a:extLst>
+          </p:cNvPr>
+          <p:cNvPicPr>
+            <a:picLocks noChangeAspect="1"/>
+          </p:cNvPicPr>
+          <p:nvPr/>
+        </p:nvPicPr>
+        <p:blipFill>
+          <a:blip r:embed="rId7"/>
+          <a:stretch>
+            <a:fillRect/>
+          </a:stretch>
+        </p:blipFill>
+        <p:spPr>
+          <a:xfrm>
+            <a:off x="873236" y="4660942"/>
+            <a:ext cx="10517068" cy="2057687"/>
           </a:xfrm>
           <a:prstGeom prst="rect">
             <a:avLst/>
@@ -8696,21 +8739,21 @@
 </file>
 
 <file path=customXml/item1.xml><?xml version="1.0" encoding="utf-8"?>
+<p:properties xmlns:p="http://schemas.microsoft.com/office/2006/metadata/properties" xmlns:xsi="http://www.w3.org/2001/XMLSchema-instance" xmlns:pc="http://schemas.microsoft.com/office/infopath/2007/PartnerControls">
+  <documentManagement>
+    <Status xmlns="71af3243-3dd4-4a8d-8c0d-dd76da1f02a5">Not started</Status>
+    <MediaServiceKeyPoints xmlns="71af3243-3dd4-4a8d-8c0d-dd76da1f02a5" xsi:nil="true"/>
+  </documentManagement>
+</p:properties>
+</file>
+
+<file path=customXml/item2.xml><?xml version="1.0" encoding="utf-8"?>
 <?mso-contentType ?>
 <FormTemplates xmlns="http://schemas.microsoft.com/sharepoint/v3/contenttype/forms">
   <Display>DocumentLibraryForm</Display>
   <Edit>DocumentLibraryForm</Edit>
   <New>DocumentLibraryForm</New>
 </FormTemplates>
-</file>
-
-<file path=customXml/item2.xml><?xml version="1.0" encoding="utf-8"?>
-<p:properties xmlns:p="http://schemas.microsoft.com/office/2006/metadata/properties" xmlns:xsi="http://www.w3.org/2001/XMLSchema-instance" xmlns:pc="http://schemas.microsoft.com/office/infopath/2007/PartnerControls">
-  <documentManagement>
-    <Status xmlns="71af3243-3dd4-4a8d-8c0d-dd76da1f02a5">Not started</Status>
-    <MediaServiceKeyPoints xmlns="71af3243-3dd4-4a8d-8c0d-dd76da1f02a5" xsi:nil="true"/>
-  </documentManagement>
-</p:properties>
 </file>
 
 <file path=customXml/item3.xml><?xml version="1.0" encoding="utf-8"?>
@@ -8935,19 +8978,19 @@
 </file>
 
 <file path=customXml/itemProps1.xml><?xml version="1.0" encoding="utf-8"?>
-<ds:datastoreItem xmlns:ds="http://schemas.openxmlformats.org/officeDocument/2006/customXml" ds:itemID="{BB3242A4-1E6A-4E02-809C-4A24066EC01D}">
+<ds:datastoreItem xmlns:ds="http://schemas.openxmlformats.org/officeDocument/2006/customXml" ds:itemID="{FBD2D995-20F0-4C14-BF62-1248AB4B484D}">
   <ds:schemaRefs>
-    <ds:schemaRef ds:uri="http://schemas.microsoft.com/sharepoint/v3/contenttype/forms"/>
+    <ds:schemaRef ds:uri="http://schemas.microsoft.com/office/2006/metadata/properties"/>
+    <ds:schemaRef ds:uri="http://schemas.microsoft.com/office/infopath/2007/PartnerControls"/>
+    <ds:schemaRef ds:uri="71af3243-3dd4-4a8d-8c0d-dd76da1f02a5"/>
   </ds:schemaRefs>
 </ds:datastoreItem>
 </file>
 
 <file path=customXml/itemProps2.xml><?xml version="1.0" encoding="utf-8"?>
-<ds:datastoreItem xmlns:ds="http://schemas.openxmlformats.org/officeDocument/2006/customXml" ds:itemID="{FBD2D995-20F0-4C14-BF62-1248AB4B484D}">
+<ds:datastoreItem xmlns:ds="http://schemas.openxmlformats.org/officeDocument/2006/customXml" ds:itemID="{BB3242A4-1E6A-4E02-809C-4A24066EC01D}">
   <ds:schemaRefs>
-    <ds:schemaRef ds:uri="http://schemas.microsoft.com/office/2006/metadata/properties"/>
-    <ds:schemaRef ds:uri="http://schemas.microsoft.com/office/infopath/2007/PartnerControls"/>
-    <ds:schemaRef ds:uri="71af3243-3dd4-4a8d-8c0d-dd76da1f02a5"/>
+    <ds:schemaRef ds:uri="http://schemas.microsoft.com/sharepoint/v3/contenttype/forms"/>
   </ds:schemaRefs>
 </ds:datastoreItem>
 </file>
